--- a/CSC202_Project_pres.pptx
+++ b/CSC202_Project_pres.pptx
@@ -105,6 +105,11 @@
       </a:defRPr>
     </a:lvl9pPr>
   </p:defaultTextStyle>
+  <p:extLst>
+    <p:ext uri="{EFAFB233-063F-42B5-8137-9DF3F51BA10A}">
+      <p15:sldGuideLst xmlns:p15="http://schemas.microsoft.com/office/powerpoint/2012/main"/>
+    </p:ext>
+  </p:extLst>
 </p:presentation>
 </file>
 
@@ -5423,7 +5428,7 @@
             </a:pPr>
             <a:r>
               <a:rPr lang="en-US" sz="1200" dirty="0" err="1"/>
-              <a:t>SysTick</a:t>
+              <a:t>SYSTick</a:t>
             </a:r>
             <a:endParaRPr lang="en-US" sz="1200" dirty="0"/>
           </a:p>
@@ -5747,7 +5752,7 @@
         </p:nvSpPr>
         <p:spPr>
           <a:xfrm>
-            <a:off x="4620151" y="3542230"/>
+            <a:off x="4393467" y="3513839"/>
             <a:ext cx="1423447" cy="787862"/>
           </a:xfrm>
           <a:prstGeom prst="ellipse">
@@ -5799,9 +5804,9 @@
           <p:nvPr/>
         </p:nvCxnSpPr>
         <p:spPr>
-          <a:xfrm flipH="1">
-            <a:off x="6760983" y="3118015"/>
-            <a:ext cx="170921" cy="218493"/>
+          <a:xfrm>
+            <a:off x="6931904" y="3118015"/>
+            <a:ext cx="95301" cy="292007"/>
           </a:xfrm>
           <a:prstGeom prst="straightConnector1">
             <a:avLst/>
@@ -5839,7 +5844,7 @@
         </p:nvSpPr>
         <p:spPr>
           <a:xfrm>
-            <a:off x="6129970" y="3336508"/>
+            <a:off x="6396192" y="3410022"/>
             <a:ext cx="1262025" cy="539965"/>
           </a:xfrm>
           <a:prstGeom prst="ellipse">
@@ -5891,7 +5896,7 @@
         </p:nvCxnSpPr>
         <p:spPr>
           <a:xfrm>
-            <a:off x="7467045" y="3099323"/>
+            <a:off x="7722650" y="3141929"/>
             <a:ext cx="0" cy="805997"/>
           </a:xfrm>
           <a:prstGeom prst="straightConnector1">
@@ -5930,7 +5935,7 @@
         </p:nvSpPr>
         <p:spPr>
           <a:xfrm>
-            <a:off x="6836032" y="3905320"/>
+            <a:off x="7091637" y="3947926"/>
             <a:ext cx="1262025" cy="539965"/>
           </a:xfrm>
           <a:prstGeom prst="ellipse">
@@ -5983,8 +5988,8 @@
         </p:nvCxnSpPr>
         <p:spPr>
           <a:xfrm flipV="1">
-            <a:off x="6043598" y="3797397"/>
-            <a:ext cx="271191" cy="138764"/>
+            <a:off x="5816914" y="3870911"/>
+            <a:ext cx="764097" cy="36859"/>
           </a:xfrm>
           <a:prstGeom prst="straightConnector1">
             <a:avLst/>
@@ -6025,9 +6030,9 @@
           <p:nvPr/>
         </p:nvCxnSpPr>
         <p:spPr>
-          <a:xfrm flipV="1">
-            <a:off x="5835139" y="4175303"/>
-            <a:ext cx="1000893" cy="39409"/>
+          <a:xfrm>
+            <a:off x="5608455" y="4186321"/>
+            <a:ext cx="1483182" cy="31588"/>
           </a:xfrm>
           <a:prstGeom prst="straightConnector1">
             <a:avLst/>
@@ -6228,7 +6233,7 @@
         </p:nvCxnSpPr>
         <p:spPr>
           <a:xfrm flipV="1">
-            <a:off x="5835139" y="3130164"/>
+            <a:off x="5608455" y="3101773"/>
             <a:ext cx="356761" cy="527446"/>
           </a:xfrm>
           <a:prstGeom prst="straightConnector1">
@@ -6349,6 +6354,146 @@
             <a:r>
               <a:rPr lang="en-US" sz="1200" dirty="0"/>
               <a:t>Each feature added required extensive bug testing and debugging, which can get more complicated the more features/systems there are</a:t>
+            </a:r>
+          </a:p>
+        </p:txBody>
+      </p:sp>
+      <p:sp>
+        <p:nvSpPr>
+          <p:cNvPr id="3" name="TextBox 2">
+            <a:extLst>
+              <a:ext uri="{FF2B5EF4-FFF2-40B4-BE49-F238E27FC236}">
+                <a16:creationId xmlns:a16="http://schemas.microsoft.com/office/drawing/2014/main" id="{F93A4A84-2B2C-8C3B-F5EA-7F469DD17AA0}"/>
+              </a:ext>
+            </a:extLst>
+          </p:cNvPr>
+          <p:cNvSpPr txBox="1"/>
+          <p:nvPr/>
+        </p:nvSpPr>
+        <p:spPr>
+          <a:xfrm>
+            <a:off x="5948471" y="3971688"/>
+            <a:ext cx="917239" cy="246221"/>
+          </a:xfrm>
+          <a:prstGeom prst="rect">
+            <a:avLst/>
+          </a:prstGeom>
+          <a:noFill/>
+        </p:spPr>
+        <p:txBody>
+          <a:bodyPr wrap="none" rtlCol="0">
+            <a:spAutoFit/>
+          </a:bodyPr>
+          <a:lstStyle/>
+          <a:p>
+            <a:r>
+              <a:rPr lang="en-US" sz="1000" dirty="0"/>
+              <a:t>LPSW1_hold</a:t>
+            </a:r>
+          </a:p>
+        </p:txBody>
+      </p:sp>
+      <p:sp>
+        <p:nvSpPr>
+          <p:cNvPr id="4" name="TextBox 3">
+            <a:extLst>
+              <a:ext uri="{FF2B5EF4-FFF2-40B4-BE49-F238E27FC236}">
+                <a16:creationId xmlns:a16="http://schemas.microsoft.com/office/drawing/2014/main" id="{AEAE75CF-E1E8-95AC-B087-E7FEA563E275}"/>
+              </a:ext>
+            </a:extLst>
+          </p:cNvPr>
+          <p:cNvSpPr txBox="1"/>
+          <p:nvPr/>
+        </p:nvSpPr>
+        <p:spPr>
+          <a:xfrm>
+            <a:off x="7665815" y="3426607"/>
+            <a:ext cx="917239" cy="246221"/>
+          </a:xfrm>
+          <a:prstGeom prst="rect">
+            <a:avLst/>
+          </a:prstGeom>
+          <a:noFill/>
+        </p:spPr>
+        <p:txBody>
+          <a:bodyPr wrap="none" rtlCol="0">
+            <a:spAutoFit/>
+          </a:bodyPr>
+          <a:lstStyle/>
+          <a:p>
+            <a:r>
+              <a:rPr lang="en-US" sz="1000" dirty="0"/>
+              <a:t>LPSW1_hold</a:t>
+            </a:r>
+          </a:p>
+        </p:txBody>
+      </p:sp>
+      <p:sp>
+        <p:nvSpPr>
+          <p:cNvPr id="22" name="TextBox 21">
+            <a:extLst>
+              <a:ext uri="{FF2B5EF4-FFF2-40B4-BE49-F238E27FC236}">
+                <a16:creationId xmlns:a16="http://schemas.microsoft.com/office/drawing/2014/main" id="{AF14ED4E-4B17-D09C-8FC6-2942F8EE3B06}"/>
+              </a:ext>
+            </a:extLst>
+          </p:cNvPr>
+          <p:cNvSpPr txBox="1"/>
+          <p:nvPr/>
+        </p:nvSpPr>
+        <p:spPr>
+          <a:xfrm>
+            <a:off x="5855076" y="3661548"/>
+            <a:ext cx="606256" cy="246221"/>
+          </a:xfrm>
+          <a:prstGeom prst="rect">
+            <a:avLst/>
+          </a:prstGeom>
+          <a:noFill/>
+        </p:spPr>
+        <p:txBody>
+          <a:bodyPr wrap="none" rtlCol="0">
+            <a:spAutoFit/>
+          </a:bodyPr>
+          <a:lstStyle/>
+          <a:p>
+            <a:r>
+              <a:rPr lang="en-US" sz="1000" dirty="0"/>
+              <a:t>LPSW1</a:t>
+            </a:r>
+          </a:p>
+        </p:txBody>
+      </p:sp>
+      <p:sp>
+        <p:nvSpPr>
+          <p:cNvPr id="24" name="TextBox 23">
+            <a:extLst>
+              <a:ext uri="{FF2B5EF4-FFF2-40B4-BE49-F238E27FC236}">
+                <a16:creationId xmlns:a16="http://schemas.microsoft.com/office/drawing/2014/main" id="{20804F44-9EF5-4CE2-8330-7B40C198743A}"/>
+              </a:ext>
+            </a:extLst>
+          </p:cNvPr>
+          <p:cNvSpPr txBox="1"/>
+          <p:nvPr/>
+        </p:nvSpPr>
+        <p:spPr>
+          <a:xfrm>
+            <a:off x="6420948" y="3154131"/>
+            <a:ext cx="606256" cy="246221"/>
+          </a:xfrm>
+          <a:prstGeom prst="rect">
+            <a:avLst/>
+          </a:prstGeom>
+          <a:noFill/>
+        </p:spPr>
+        <p:txBody>
+          <a:bodyPr wrap="none" rtlCol="0">
+            <a:spAutoFit/>
+          </a:bodyPr>
+          <a:lstStyle/>
+          <a:p>
+            <a:r>
+              <a:rPr lang="en-US" sz="1000" dirty="0"/>
+              <a:t>LPSW1</a:t>
             </a:r>
           </a:p>
         </p:txBody>
